--- a/gitについて.pptx
+++ b/gitについて.pptx
@@ -6,15 +6,16 @@
   </p:sldMasterIdLst>
   <p:sldIdLst>
     <p:sldId id="256" r:id="rId2"/>
-    <p:sldId id="258" r:id="rId3"/>
-    <p:sldId id="259" r:id="rId4"/>
-    <p:sldId id="260" r:id="rId5"/>
-    <p:sldId id="261" r:id="rId6"/>
-    <p:sldId id="264" r:id="rId7"/>
-    <p:sldId id="265" r:id="rId8"/>
-    <p:sldId id="266" r:id="rId9"/>
-    <p:sldId id="267" r:id="rId10"/>
-    <p:sldId id="268" r:id="rId11"/>
+    <p:sldId id="269" r:id="rId3"/>
+    <p:sldId id="258" r:id="rId4"/>
+    <p:sldId id="259" r:id="rId5"/>
+    <p:sldId id="260" r:id="rId6"/>
+    <p:sldId id="261" r:id="rId7"/>
+    <p:sldId id="264" r:id="rId8"/>
+    <p:sldId id="265" r:id="rId9"/>
+    <p:sldId id="266" r:id="rId10"/>
+    <p:sldId id="267" r:id="rId11"/>
+    <p:sldId id="268" r:id="rId12"/>
   </p:sldIdLst>
   <p:sldSz cx="12192000" cy="6858000"/>
   <p:notesSz cx="6858000" cy="9144000"/>
@@ -7189,6 +7190,185 @@
           <p:cNvPr id="2" name="タイトル 1">
             <a:extLst>
               <a:ext uri="{FF2B5EF4-FFF2-40B4-BE49-F238E27FC236}">
+                <a16:creationId xmlns:a16="http://schemas.microsoft.com/office/drawing/2014/main" id="{98E3E02C-3369-AE1A-7891-444949FADE46}"/>
+              </a:ext>
+            </a:extLst>
+          </p:cNvPr>
+          <p:cNvSpPr>
+            <a:spLocks noGrp="1"/>
+          </p:cNvSpPr>
+          <p:nvPr>
+            <p:ph type="title"/>
+          </p:nvPr>
+        </p:nvSpPr>
+        <p:spPr/>
+        <p:txBody>
+          <a:bodyPr/>
+          <a:lstStyle/>
+          <a:p>
+            <a:r>
+              <a:rPr kumimoji="1" lang="ja-JP" altLang="en-US" dirty="0"/>
+              <a:t>キーワード</a:t>
+            </a:r>
+          </a:p>
+        </p:txBody>
+      </p:sp>
+      <p:sp>
+        <p:nvSpPr>
+          <p:cNvPr id="4" name="テキスト ボックス 3">
+            <a:extLst>
+              <a:ext uri="{FF2B5EF4-FFF2-40B4-BE49-F238E27FC236}">
+                <a16:creationId xmlns:a16="http://schemas.microsoft.com/office/drawing/2014/main" id="{045A122D-DFD3-49B0-4B10-52EDBE0DF24F}"/>
+              </a:ext>
+            </a:extLst>
+          </p:cNvPr>
+          <p:cNvSpPr txBox="1"/>
+          <p:nvPr/>
+        </p:nvSpPr>
+        <p:spPr>
+          <a:xfrm>
+            <a:off x="1251678" y="1122213"/>
+            <a:ext cx="4844322" cy="2031325"/>
+          </a:xfrm>
+          <a:prstGeom prst="rect">
+            <a:avLst/>
+          </a:prstGeom>
+          <a:noFill/>
+        </p:spPr>
+        <p:txBody>
+          <a:bodyPr wrap="square" rtlCol="0">
+            <a:spAutoFit/>
+          </a:bodyPr>
+          <a:lstStyle/>
+          <a:p>
+            <a:r>
+              <a:rPr kumimoji="1" lang="ja-JP" altLang="en-US" dirty="0"/>
+              <a:t>・スタッシュ</a:t>
+            </a:r>
+            <a:endParaRPr kumimoji="1" lang="en-US" altLang="ja-JP" dirty="0"/>
+          </a:p>
+          <a:p>
+            <a:r>
+              <a:rPr kumimoji="1" lang="ja-JP" altLang="en-US" dirty="0"/>
+              <a:t>・コンフリクト</a:t>
+            </a:r>
+            <a:endParaRPr kumimoji="1" lang="en-US" altLang="ja-JP" dirty="0"/>
+          </a:p>
+          <a:p>
+            <a:r>
+              <a:rPr kumimoji="1" lang="ja-JP" altLang="en-US" dirty="0"/>
+              <a:t>・チェックアウト</a:t>
+            </a:r>
+            <a:endParaRPr kumimoji="1" lang="en-US" altLang="ja-JP" dirty="0"/>
+          </a:p>
+          <a:p>
+            <a:r>
+              <a:rPr kumimoji="1" lang="ja-JP" altLang="en-US" dirty="0"/>
+              <a:t>・フェッチ</a:t>
+            </a:r>
+            <a:endParaRPr kumimoji="1" lang="en-US" altLang="ja-JP" dirty="0"/>
+          </a:p>
+          <a:p>
+            <a:r>
+              <a:rPr kumimoji="1" lang="ja-JP" altLang="en-US" dirty="0"/>
+              <a:t>・プッシュ</a:t>
+            </a:r>
+            <a:endParaRPr kumimoji="1" lang="en-US" altLang="ja-JP" dirty="0"/>
+          </a:p>
+          <a:p>
+            <a:r>
+              <a:rPr kumimoji="1" lang="ja-JP" altLang="en-US" dirty="0"/>
+              <a:t>・プルリクエスト</a:t>
+            </a:r>
+            <a:endParaRPr kumimoji="1" lang="en-US" altLang="ja-JP" dirty="0"/>
+          </a:p>
+          <a:p>
+            <a:endParaRPr kumimoji="1" lang="ja-JP" altLang="en-US" dirty="0"/>
+          </a:p>
+        </p:txBody>
+      </p:sp>
+      <p:pic>
+        <p:nvPicPr>
+          <p:cNvPr id="5122" name="Picture 2">
+            <a:extLst>
+              <a:ext uri="{FF2B5EF4-FFF2-40B4-BE49-F238E27FC236}">
+                <a16:creationId xmlns:a16="http://schemas.microsoft.com/office/drawing/2014/main" id="{A170D9CE-97EF-9832-C221-496E8C033746}"/>
+              </a:ext>
+            </a:extLst>
+          </p:cNvPr>
+          <p:cNvPicPr>
+            <a:picLocks noChangeAspect="1" noChangeArrowheads="1"/>
+          </p:cNvPicPr>
+          <p:nvPr/>
+        </p:nvPicPr>
+        <p:blipFill>
+          <a:blip r:embed="rId2">
+            <a:extLst>
+              <a:ext uri="{28A0092B-C50C-407E-A947-70E740481C1C}">
+                <a14:useLocalDpi xmlns:a14="http://schemas.microsoft.com/office/drawing/2010/main" val="0"/>
+              </a:ext>
+            </a:extLst>
+          </a:blip>
+          <a:srcRect/>
+          <a:stretch>
+            <a:fillRect/>
+          </a:stretch>
+        </p:blipFill>
+        <p:spPr bwMode="auto">
+          <a:xfrm>
+            <a:off x="6096000" y="0"/>
+            <a:ext cx="4675187" cy="6858000"/>
+          </a:xfrm>
+          <a:prstGeom prst="rect">
+            <a:avLst/>
+          </a:prstGeom>
+          <a:noFill/>
+          <a:extLst>
+            <a:ext uri="{909E8E84-426E-40DD-AFC4-6F175D3DCCD1}">
+              <a14:hiddenFill xmlns:a14="http://schemas.microsoft.com/office/drawing/2010/main">
+                <a:solidFill>
+                  <a:srgbClr val="FFFFFF"/>
+                </a:solidFill>
+              </a14:hiddenFill>
+            </a:ext>
+          </a:extLst>
+        </p:spPr>
+      </p:pic>
+    </p:spTree>
+    <p:extLst>
+      <p:ext uri="{BB962C8B-B14F-4D97-AF65-F5344CB8AC3E}">
+        <p14:creationId xmlns:p14="http://schemas.microsoft.com/office/powerpoint/2010/main" val="631708949"/>
+      </p:ext>
+    </p:extLst>
+  </p:cSld>
+  <p:clrMapOvr>
+    <a:masterClrMapping/>
+  </p:clrMapOvr>
+</p:sld>
+</file>
+
+<file path=ppt/slides/slide11.xml><?xml version="1.0" encoding="utf-8"?>
+<p:sld xmlns:a="http://schemas.openxmlformats.org/drawingml/2006/main" xmlns:r="http://schemas.openxmlformats.org/officeDocument/2006/relationships" xmlns:p="http://schemas.openxmlformats.org/presentationml/2006/main">
+  <p:cSld>
+    <p:spTree>
+      <p:nvGrpSpPr>
+        <p:cNvPr id="1" name=""/>
+        <p:cNvGrpSpPr/>
+        <p:nvPr/>
+      </p:nvGrpSpPr>
+      <p:grpSpPr>
+        <a:xfrm>
+          <a:off x="0" y="0"/>
+          <a:ext cx="0" cy="0"/>
+          <a:chOff x="0" y="0"/>
+          <a:chExt cx="0" cy="0"/>
+        </a:xfrm>
+      </p:grpSpPr>
+      <p:sp>
+        <p:nvSpPr>
+          <p:cNvPr id="2" name="タイトル 1">
+            <a:extLst>
+              <a:ext uri="{FF2B5EF4-FFF2-40B4-BE49-F238E27FC236}">
                 <a16:creationId xmlns:a16="http://schemas.microsoft.com/office/drawing/2014/main" id="{3724670E-79B7-2737-373A-870D2EEE3ED4}"/>
               </a:ext>
             </a:extLst>
@@ -7307,7 +7487,7 @@
           <p:cNvPr id="2" name="タイトル 1">
             <a:extLst>
               <a:ext uri="{FF2B5EF4-FFF2-40B4-BE49-F238E27FC236}">
-                <a16:creationId xmlns:a16="http://schemas.microsoft.com/office/drawing/2014/main" id="{D803ADBE-F4FD-5583-F2A5-AB1D154A0992}"/>
+                <a16:creationId xmlns:a16="http://schemas.microsoft.com/office/drawing/2014/main" id="{8E1C39C7-7613-AA6F-A283-FD01E424093A}"/>
               </a:ext>
             </a:extLst>
           </p:cNvPr>
@@ -7320,145 +7500,17 @@
         </p:nvSpPr>
         <p:spPr/>
         <p:txBody>
-          <a:bodyPr>
-            <a:normAutofit/>
-          </a:bodyPr>
+          <a:bodyPr/>
           <a:lstStyle/>
           <a:p>
-            <a:r>
-              <a:rPr lang="en-US" altLang="ja-JP" sz="5400" cap="none" dirty="0"/>
-              <a:t>Git</a:t>
-            </a:r>
-            <a:r>
-              <a:rPr kumimoji="1" lang="ja-JP" altLang="en-US" sz="5400" cap="none" dirty="0"/>
-              <a:t>について</a:t>
-            </a:r>
-            <a:endParaRPr kumimoji="1" lang="ja-JP" altLang="en-US" dirty="0"/>
-          </a:p>
-        </p:txBody>
-      </p:sp>
-      <p:sp>
-        <p:nvSpPr>
-          <p:cNvPr id="3" name="コンテンツ プレースホルダー 2">
-            <a:extLst>
-              <a:ext uri="{FF2B5EF4-FFF2-40B4-BE49-F238E27FC236}">
-                <a16:creationId xmlns:a16="http://schemas.microsoft.com/office/drawing/2014/main" id="{3B626606-7E1C-3B91-9108-FC4566BF88D4}"/>
-              </a:ext>
-            </a:extLst>
-          </p:cNvPr>
-          <p:cNvSpPr>
-            <a:spLocks noGrp="1"/>
-          </p:cNvSpPr>
-          <p:nvPr>
-            <p:ph idx="1"/>
-          </p:nvPr>
-        </p:nvSpPr>
-        <p:spPr>
-          <a:xfrm>
-            <a:off x="1251678" y="2286001"/>
-            <a:ext cx="10178322" cy="4189614"/>
-          </a:xfrm>
-        </p:spPr>
-        <p:txBody>
-          <a:bodyPr>
-            <a:normAutofit/>
-          </a:bodyPr>
-          <a:lstStyle/>
-          <a:p>
-            <a:pPr marL="0" indent="0">
-              <a:buNone/>
-            </a:pPr>
-            <a:r>
-              <a:rPr lang="en-US" altLang="ja-JP" dirty="0"/>
-              <a:t>Git</a:t>
-            </a:r>
-            <a:r>
-              <a:rPr lang="ja-JP" altLang="en-US" dirty="0"/>
-              <a:t>とは、コンピューターで作ったファイルの変更履歴を記録したり、管理したりするためのツールです。</a:t>
-            </a:r>
-          </a:p>
-          <a:p>
-            <a:pPr marL="0" indent="0">
-              <a:buNone/>
-            </a:pPr>
-            <a:r>
-              <a:rPr lang="ja-JP" altLang="en-US" dirty="0"/>
-              <a:t>例えば、あなたが絵を描いているとします。</a:t>
-            </a:r>
-          </a:p>
-          <a:p>
-            <a:pPr marL="0" indent="0">
-              <a:buNone/>
-            </a:pPr>
-            <a:r>
-              <a:rPr lang="ja-JP" altLang="en-US" dirty="0"/>
-              <a:t>最初は空白の紙に線を引いて、次に色を塗って、最後に文字を書くとしましょう。</a:t>
-            </a:r>
-          </a:p>
-          <a:p>
-            <a:pPr marL="0" indent="0">
-              <a:buNone/>
-            </a:pPr>
-            <a:r>
-              <a:rPr lang="ja-JP" altLang="en-US" dirty="0"/>
-              <a:t>このとき、紙に描いた絵はどんどん変わっていきますよね。</a:t>
-            </a:r>
-          </a:p>
-          <a:p>
-            <a:pPr marL="0" indent="0">
-              <a:buNone/>
-            </a:pPr>
-            <a:r>
-              <a:rPr lang="ja-JP" altLang="en-US" dirty="0"/>
-              <a:t>でも、もしも間違えて消しゴムで消してしまったら、元に戻すことはできません。</a:t>
-            </a:r>
-          </a:p>
-          <a:p>
-            <a:pPr marL="0" indent="0">
-              <a:buNone/>
-            </a:pPr>
-            <a:r>
-              <a:rPr lang="ja-JP" altLang="en-US" dirty="0"/>
-              <a:t>そこで、</a:t>
-            </a:r>
-            <a:r>
-              <a:rPr lang="en-US" altLang="ja-JP" dirty="0"/>
-              <a:t>Git</a:t>
-            </a:r>
-            <a:r>
-              <a:rPr lang="ja-JP" altLang="en-US" dirty="0"/>
-              <a:t>を使うと便利なんです。</a:t>
-            </a:r>
-            <a:r>
-              <a:rPr lang="en-US" altLang="ja-JP" dirty="0"/>
-              <a:t>Git</a:t>
-            </a:r>
-            <a:r>
-              <a:rPr lang="ja-JP" altLang="en-US" dirty="0"/>
-              <a:t>は、あなたが絵を描くたびに紙のコピーを作ってくれます。</a:t>
-            </a:r>
-          </a:p>
-          <a:p>
-            <a:pPr marL="0" indent="0">
-              <a:buNone/>
-            </a:pPr>
-            <a:r>
-              <a:rPr lang="ja-JP" altLang="en-US" dirty="0"/>
-              <a:t>そして、そのコピーには何を描いたか、いつ描いたか、誰が描いたかなどの情報も一緒に保存してくれます。これを「バージョン管理」と呼びます。</a:t>
-            </a:r>
-          </a:p>
-          <a:p>
-            <a:pPr marL="0" indent="0">
-              <a:buNone/>
-            </a:pPr>
-            <a:endParaRPr lang="en-US" altLang="ja-JP" dirty="0"/>
+            <a:endParaRPr kumimoji="1" lang="ja-JP" altLang="en-US"/>
           </a:p>
         </p:txBody>
       </p:sp>
     </p:spTree>
     <p:extLst>
       <p:ext uri="{BB962C8B-B14F-4D97-AF65-F5344CB8AC3E}">
-        <p14:creationId xmlns:p14="http://schemas.microsoft.com/office/powerpoint/2010/main" val="2756313680"/>
+        <p14:creationId xmlns:p14="http://schemas.microsoft.com/office/powerpoint/2010/main" val="3164258976"/>
       </p:ext>
     </p:extLst>
   </p:cSld>
@@ -7490,7 +7542,7 @@
           <p:cNvPr id="2" name="タイトル 1">
             <a:extLst>
               <a:ext uri="{FF2B5EF4-FFF2-40B4-BE49-F238E27FC236}">
-                <a16:creationId xmlns:a16="http://schemas.microsoft.com/office/drawing/2014/main" id="{18CFFCFE-3B67-4556-0E5B-FBE63C556BD2}"/>
+                <a16:creationId xmlns:a16="http://schemas.microsoft.com/office/drawing/2014/main" id="{D803ADBE-F4FD-5583-F2A5-AB1D154A0992}"/>
               </a:ext>
             </a:extLst>
           </p:cNvPr>
@@ -7503,15 +7555,17 @@
         </p:nvSpPr>
         <p:spPr/>
         <p:txBody>
-          <a:bodyPr/>
+          <a:bodyPr>
+            <a:normAutofit/>
+          </a:bodyPr>
           <a:lstStyle/>
           <a:p>
             <a:r>
-              <a:rPr lang="en-US" altLang="ja-JP" sz="4800" cap="none" dirty="0"/>
+              <a:rPr lang="en-US" altLang="ja-JP" sz="5400" cap="none" dirty="0"/>
               <a:t>Git</a:t>
             </a:r>
             <a:r>
-              <a:rPr kumimoji="1" lang="ja-JP" altLang="en-US" sz="4800" cap="none" dirty="0"/>
+              <a:rPr kumimoji="1" lang="ja-JP" altLang="en-US" sz="5400" cap="none" dirty="0"/>
               <a:t>について</a:t>
             </a:r>
             <a:endParaRPr kumimoji="1" lang="ja-JP" altLang="en-US" dirty="0"/>
@@ -7523,7 +7577,7 @@
           <p:cNvPr id="3" name="コンテンツ プレースホルダー 2">
             <a:extLst>
               <a:ext uri="{FF2B5EF4-FFF2-40B4-BE49-F238E27FC236}">
-                <a16:creationId xmlns:a16="http://schemas.microsoft.com/office/drawing/2014/main" id="{6860F2CD-9E45-2BD2-9F36-4D9CE2D7990E}"/>
+                <a16:creationId xmlns:a16="http://schemas.microsoft.com/office/drawing/2014/main" id="{3B626606-7E1C-3B91-9108-FC4566BF88D4}"/>
               </a:ext>
             </a:extLst>
           </p:cNvPr>
@@ -7534,21 +7588,28 @@
             <p:ph idx="1"/>
           </p:nvPr>
         </p:nvSpPr>
-        <p:spPr/>
+        <p:spPr>
+          <a:xfrm>
+            <a:off x="1251678" y="2286001"/>
+            <a:ext cx="10178322" cy="4189614"/>
+          </a:xfrm>
+        </p:spPr>
         <p:txBody>
-          <a:bodyPr/>
+          <a:bodyPr>
+            <a:normAutofit/>
+          </a:bodyPr>
           <a:lstStyle/>
           <a:p>
             <a:pPr marL="0" indent="0">
               <a:buNone/>
             </a:pPr>
             <a:r>
-              <a:rPr kumimoji="1" lang="en-US" altLang="ja-JP" dirty="0"/>
+              <a:rPr lang="en-US" altLang="ja-JP" dirty="0"/>
               <a:t>Git</a:t>
             </a:r>
             <a:r>
-              <a:rPr kumimoji="1" lang="ja-JP" altLang="en-US" dirty="0"/>
-              <a:t>のすごいところは、紙のコピーを自分だけでなく、ほかの人とも共有できることです。</a:t>
+              <a:rPr lang="ja-JP" altLang="en-US" dirty="0"/>
+              <a:t>とは、コンピューターで作ったファイルの変更履歴を記録したり、管理したりするためのツールです。</a:t>
             </a:r>
           </a:p>
           <a:p>
@@ -7556,8 +7617,8 @@
               <a:buNone/>
             </a:pPr>
             <a:r>
-              <a:rPr kumimoji="1" lang="ja-JP" altLang="en-US" dirty="0"/>
-              <a:t>例えば、あなたが友だちと一緒に絵を描くことにしました。</a:t>
+              <a:rPr lang="ja-JP" altLang="en-US" dirty="0"/>
+              <a:t>例えば、あなたが絵を描いているとします。</a:t>
             </a:r>
           </a:p>
           <a:p>
@@ -7565,8 +7626,8 @@
               <a:buNone/>
             </a:pPr>
             <a:r>
-              <a:rPr kumimoji="1" lang="ja-JP" altLang="en-US" dirty="0"/>
-              <a:t>友だちもあなたと同じ絵を持っているとします。</a:t>
+              <a:rPr lang="ja-JP" altLang="en-US" dirty="0"/>
+              <a:t>最初は空白の紙に線を引いて、次に色を塗って、最後に文字を書くとしましょう。</a:t>
             </a:r>
           </a:p>
           <a:p>
@@ -7574,24 +7635,65 @@
               <a:buNone/>
             </a:pPr>
             <a:r>
-              <a:rPr kumimoji="1" lang="ja-JP" altLang="en-US" dirty="0"/>
-              <a:t>このとき、</a:t>
-            </a:r>
-            <a:r>
-              <a:rPr kumimoji="1" lang="en-US" altLang="ja-JP" dirty="0"/>
+              <a:rPr lang="ja-JP" altLang="en-US" dirty="0"/>
+              <a:t>このとき、紙に描いた絵はどんどん変わっていきますよね。</a:t>
+            </a:r>
+          </a:p>
+          <a:p>
+            <a:pPr marL="0" indent="0">
+              <a:buNone/>
+            </a:pPr>
+            <a:r>
+              <a:rPr lang="ja-JP" altLang="en-US" dirty="0"/>
+              <a:t>でも、もしも間違えて消しゴムで消してしまったら、元に戻すことはできません。</a:t>
+            </a:r>
+          </a:p>
+          <a:p>
+            <a:pPr marL="0" indent="0">
+              <a:buNone/>
+            </a:pPr>
+            <a:r>
+              <a:rPr lang="ja-JP" altLang="en-US" dirty="0"/>
+              <a:t>そこで、</a:t>
+            </a:r>
+            <a:r>
+              <a:rPr lang="en-US" altLang="ja-JP" dirty="0"/>
               <a:t>Git</a:t>
             </a:r>
             <a:r>
-              <a:rPr kumimoji="1" lang="ja-JP" altLang="en-US" dirty="0"/>
-              <a:t>はあなたと友だちの絵の違いを見つけて、合わせることができます。これを「分散型」と呼びます。</a:t>
-            </a:r>
+              <a:rPr lang="ja-JP" altLang="en-US" dirty="0"/>
+              <a:t>を使うと便利なんです。</a:t>
+            </a:r>
+            <a:r>
+              <a:rPr lang="en-US" altLang="ja-JP" dirty="0"/>
+              <a:t>Git</a:t>
+            </a:r>
+            <a:r>
+              <a:rPr lang="ja-JP" altLang="en-US" dirty="0"/>
+              <a:t>は、あなたが絵を描くたびに紙のコピーを作ってくれます。</a:t>
+            </a:r>
+          </a:p>
+          <a:p>
+            <a:pPr marL="0" indent="0">
+              <a:buNone/>
+            </a:pPr>
+            <a:r>
+              <a:rPr lang="ja-JP" altLang="en-US" dirty="0"/>
+              <a:t>そして、そのコピーには何を描いたか、いつ描いたか、誰が描いたかなどの情報も一緒に保存してくれます。これを「バージョン管理」と呼びます。</a:t>
+            </a:r>
+          </a:p>
+          <a:p>
+            <a:pPr marL="0" indent="0">
+              <a:buNone/>
+            </a:pPr>
+            <a:endParaRPr lang="en-US" altLang="ja-JP" dirty="0"/>
           </a:p>
         </p:txBody>
       </p:sp>
     </p:spTree>
     <p:extLst>
       <p:ext uri="{BB962C8B-B14F-4D97-AF65-F5344CB8AC3E}">
-        <p14:creationId xmlns:p14="http://schemas.microsoft.com/office/powerpoint/2010/main" val="3690874564"/>
+        <p14:creationId xmlns:p14="http://schemas.microsoft.com/office/powerpoint/2010/main" val="2756313680"/>
       </p:ext>
     </p:extLst>
   </p:cSld>
@@ -7681,7 +7783,7 @@
             </a:r>
             <a:r>
               <a:rPr kumimoji="1" lang="ja-JP" altLang="en-US" dirty="0"/>
-              <a:t>は、プログラムのソースコードなどのファイルを管理するときによく使われます。</a:t>
+              <a:t>のすごいところは、紙のコピーを自分だけでなく、ほかの人とも共有できることです。</a:t>
             </a:r>
           </a:p>
           <a:p>
@@ -7690,7 +7792,7 @@
             </a:pPr>
             <a:r>
               <a:rPr kumimoji="1" lang="ja-JP" altLang="en-US" dirty="0"/>
-              <a:t>プログラムは、コンピューターに命令する言葉で書かれたものです。</a:t>
+              <a:t>例えば、あなたが友だちと一緒に絵を描くことにしました。</a:t>
             </a:r>
           </a:p>
           <a:p>
@@ -7699,7 +7801,7 @@
             </a:pPr>
             <a:r>
               <a:rPr kumimoji="1" lang="ja-JP" altLang="en-US" dirty="0"/>
-              <a:t>プログラムは一人で書くよりも、みんなで協力して書くほうが早くて楽しいですよね。</a:t>
+              <a:t>友だちもあなたと同じ絵を持っているとします。</a:t>
             </a:r>
           </a:p>
           <a:p>
@@ -7708,16 +7810,7 @@
             </a:pPr>
             <a:r>
               <a:rPr kumimoji="1" lang="ja-JP" altLang="en-US" dirty="0"/>
-              <a:t>でも、みんなで同じプログラムを書くときには、誰が何を書いたか、どこが変わったか、どうやって合わせるかなどの問題が出てきます。</a:t>
-            </a:r>
-          </a:p>
-          <a:p>
-            <a:pPr marL="0" indent="0">
-              <a:buNone/>
-            </a:pPr>
-            <a:r>
-              <a:rPr kumimoji="1" lang="ja-JP" altLang="en-US" dirty="0"/>
-              <a:t>そこで、</a:t>
+              <a:t>このとき、</a:t>
             </a:r>
             <a:r>
               <a:rPr kumimoji="1" lang="en-US" altLang="ja-JP" dirty="0"/>
@@ -7725,15 +7818,7 @@
             </a:r>
             <a:r>
               <a:rPr kumimoji="1" lang="ja-JP" altLang="en-US" dirty="0"/>
-              <a:t>が役に立ちます。</a:t>
-            </a:r>
-            <a:r>
-              <a:rPr kumimoji="1" lang="en-US" altLang="ja-JP" dirty="0"/>
-              <a:t>Git</a:t>
-            </a:r>
-            <a:r>
-              <a:rPr kumimoji="1" lang="ja-JP" altLang="en-US" dirty="0"/>
-              <a:t>は、プログラムの変更履歴を記録したり、ほかの人と共有したりすることができるからです。</a:t>
+              <a:t>はあなたと友だちの絵の違いを見つけて、合わせることができます。これを「分散型」と呼びます。</a:t>
             </a:r>
           </a:p>
         </p:txBody>
@@ -7741,7 +7826,7 @@
     </p:spTree>
     <p:extLst>
       <p:ext uri="{BB962C8B-B14F-4D97-AF65-F5344CB8AC3E}">
-        <p14:creationId xmlns:p14="http://schemas.microsoft.com/office/powerpoint/2010/main" val="476347343"/>
+        <p14:creationId xmlns:p14="http://schemas.microsoft.com/office/powerpoint/2010/main" val="3690874564"/>
       </p:ext>
     </p:extLst>
   </p:cSld>
@@ -7773,6 +7858,156 @@
           <p:cNvPr id="2" name="タイトル 1">
             <a:extLst>
               <a:ext uri="{FF2B5EF4-FFF2-40B4-BE49-F238E27FC236}">
+                <a16:creationId xmlns:a16="http://schemas.microsoft.com/office/drawing/2014/main" id="{18CFFCFE-3B67-4556-0E5B-FBE63C556BD2}"/>
+              </a:ext>
+            </a:extLst>
+          </p:cNvPr>
+          <p:cNvSpPr>
+            <a:spLocks noGrp="1"/>
+          </p:cNvSpPr>
+          <p:nvPr>
+            <p:ph type="title"/>
+          </p:nvPr>
+        </p:nvSpPr>
+        <p:spPr/>
+        <p:txBody>
+          <a:bodyPr/>
+          <a:lstStyle/>
+          <a:p>
+            <a:r>
+              <a:rPr lang="en-US" altLang="ja-JP" sz="4800" cap="none" dirty="0"/>
+              <a:t>Git</a:t>
+            </a:r>
+            <a:r>
+              <a:rPr kumimoji="1" lang="ja-JP" altLang="en-US" sz="4800" cap="none" dirty="0"/>
+              <a:t>について</a:t>
+            </a:r>
+            <a:endParaRPr kumimoji="1" lang="ja-JP" altLang="en-US" dirty="0"/>
+          </a:p>
+        </p:txBody>
+      </p:sp>
+      <p:sp>
+        <p:nvSpPr>
+          <p:cNvPr id="3" name="コンテンツ プレースホルダー 2">
+            <a:extLst>
+              <a:ext uri="{FF2B5EF4-FFF2-40B4-BE49-F238E27FC236}">
+                <a16:creationId xmlns:a16="http://schemas.microsoft.com/office/drawing/2014/main" id="{6860F2CD-9E45-2BD2-9F36-4D9CE2D7990E}"/>
+              </a:ext>
+            </a:extLst>
+          </p:cNvPr>
+          <p:cNvSpPr>
+            <a:spLocks noGrp="1"/>
+          </p:cNvSpPr>
+          <p:nvPr>
+            <p:ph idx="1"/>
+          </p:nvPr>
+        </p:nvSpPr>
+        <p:spPr/>
+        <p:txBody>
+          <a:bodyPr/>
+          <a:lstStyle/>
+          <a:p>
+            <a:pPr marL="0" indent="0">
+              <a:buNone/>
+            </a:pPr>
+            <a:r>
+              <a:rPr kumimoji="1" lang="en-US" altLang="ja-JP" dirty="0"/>
+              <a:t>Git</a:t>
+            </a:r>
+            <a:r>
+              <a:rPr kumimoji="1" lang="ja-JP" altLang="en-US" dirty="0"/>
+              <a:t>は、プログラムのソースコードなどのファイルを管理するときによく使われます。</a:t>
+            </a:r>
+          </a:p>
+          <a:p>
+            <a:pPr marL="0" indent="0">
+              <a:buNone/>
+            </a:pPr>
+            <a:r>
+              <a:rPr kumimoji="1" lang="ja-JP" altLang="en-US" dirty="0"/>
+              <a:t>プログラムは、コンピューターに命令する言葉で書かれたものです。</a:t>
+            </a:r>
+          </a:p>
+          <a:p>
+            <a:pPr marL="0" indent="0">
+              <a:buNone/>
+            </a:pPr>
+            <a:r>
+              <a:rPr kumimoji="1" lang="ja-JP" altLang="en-US" dirty="0"/>
+              <a:t>プログラムは一人で書くよりも、みんなで協力して書くほうが早くて楽しいですよね。</a:t>
+            </a:r>
+          </a:p>
+          <a:p>
+            <a:pPr marL="0" indent="0">
+              <a:buNone/>
+            </a:pPr>
+            <a:r>
+              <a:rPr kumimoji="1" lang="ja-JP" altLang="en-US" dirty="0"/>
+              <a:t>でも、みんなで同じプログラムを書くときには、誰が何を書いたか、どこが変わったか、どうやって合わせるかなどの問題が出てきます。</a:t>
+            </a:r>
+          </a:p>
+          <a:p>
+            <a:pPr marL="0" indent="0">
+              <a:buNone/>
+            </a:pPr>
+            <a:r>
+              <a:rPr kumimoji="1" lang="ja-JP" altLang="en-US" dirty="0"/>
+              <a:t>そこで、</a:t>
+            </a:r>
+            <a:r>
+              <a:rPr kumimoji="1" lang="en-US" altLang="ja-JP" dirty="0"/>
+              <a:t>Git</a:t>
+            </a:r>
+            <a:r>
+              <a:rPr kumimoji="1" lang="ja-JP" altLang="en-US" dirty="0"/>
+              <a:t>が役に立ちます。</a:t>
+            </a:r>
+            <a:r>
+              <a:rPr kumimoji="1" lang="en-US" altLang="ja-JP" dirty="0"/>
+              <a:t>Git</a:t>
+            </a:r>
+            <a:r>
+              <a:rPr kumimoji="1" lang="ja-JP" altLang="en-US" dirty="0"/>
+              <a:t>は、プログラムの変更履歴を記録したり、ほかの人と共有したりすることができるからです。</a:t>
+            </a:r>
+          </a:p>
+        </p:txBody>
+      </p:sp>
+    </p:spTree>
+    <p:extLst>
+      <p:ext uri="{BB962C8B-B14F-4D97-AF65-F5344CB8AC3E}">
+        <p14:creationId xmlns:p14="http://schemas.microsoft.com/office/powerpoint/2010/main" val="476347343"/>
+      </p:ext>
+    </p:extLst>
+  </p:cSld>
+  <p:clrMapOvr>
+    <a:masterClrMapping/>
+  </p:clrMapOvr>
+</p:sld>
+</file>
+
+<file path=ppt/slides/slide6.xml><?xml version="1.0" encoding="utf-8"?>
+<p:sld xmlns:a="http://schemas.openxmlformats.org/drawingml/2006/main" xmlns:r="http://schemas.openxmlformats.org/officeDocument/2006/relationships" xmlns:p="http://schemas.openxmlformats.org/presentationml/2006/main">
+  <p:cSld>
+    <p:spTree>
+      <p:nvGrpSpPr>
+        <p:cNvPr id="1" name=""/>
+        <p:cNvGrpSpPr/>
+        <p:nvPr/>
+      </p:nvGrpSpPr>
+      <p:grpSpPr>
+        <a:xfrm>
+          <a:off x="0" y="0"/>
+          <a:ext cx="0" cy="0"/>
+          <a:chOff x="0" y="0"/>
+          <a:chExt cx="0" cy="0"/>
+        </a:xfrm>
+      </p:grpSpPr>
+      <p:sp>
+        <p:nvSpPr>
+          <p:cNvPr id="2" name="タイトル 1">
+            <a:extLst>
+              <a:ext uri="{FF2B5EF4-FFF2-40B4-BE49-F238E27FC236}">
                 <a16:creationId xmlns:a16="http://schemas.microsoft.com/office/drawing/2014/main" id="{EC303B73-D882-64F7-87E2-3AA2BD3A3938}"/>
               </a:ext>
             </a:extLst>
@@ -7936,7 +8171,7 @@
 </p:sld>
 </file>
 
-<file path=ppt/slides/slide6.xml><?xml version="1.0" encoding="utf-8"?>
+<file path=ppt/slides/slide7.xml><?xml version="1.0" encoding="utf-8"?>
 <p:sld xmlns:a="http://schemas.openxmlformats.org/drawingml/2006/main" xmlns:r="http://schemas.openxmlformats.org/officeDocument/2006/relationships" xmlns:p="http://schemas.openxmlformats.org/presentationml/2006/main">
   <p:cSld>
     <p:spTree>
@@ -8126,7 +8361,7 @@
 </p:sld>
 </file>
 
-<file path=ppt/slides/slide7.xml><?xml version="1.0" encoding="utf-8"?>
+<file path=ppt/slides/slide8.xml><?xml version="1.0" encoding="utf-8"?>
 <p:sld xmlns:a="http://schemas.openxmlformats.org/drawingml/2006/main" xmlns:r="http://schemas.openxmlformats.org/officeDocument/2006/relationships" xmlns:p="http://schemas.openxmlformats.org/presentationml/2006/main">
   <p:cSld>
     <p:spTree>
@@ -8329,7 +8564,7 @@
 </p:sld>
 </file>
 
-<file path=ppt/slides/slide8.xml><?xml version="1.0" encoding="utf-8"?>
+<file path=ppt/slides/slide9.xml><?xml version="1.0" encoding="utf-8"?>
 <p:sld xmlns:a="http://schemas.openxmlformats.org/drawingml/2006/main" xmlns:r="http://schemas.openxmlformats.org/officeDocument/2006/relationships" xmlns:p="http://schemas.openxmlformats.org/presentationml/2006/main">
   <p:cSld>
     <p:spTree>
@@ -8492,185 +8727,6 @@
     <p:extLst>
       <p:ext uri="{BB962C8B-B14F-4D97-AF65-F5344CB8AC3E}">
         <p14:creationId xmlns:p14="http://schemas.microsoft.com/office/powerpoint/2010/main" val="2144326861"/>
-      </p:ext>
-    </p:extLst>
-  </p:cSld>
-  <p:clrMapOvr>
-    <a:masterClrMapping/>
-  </p:clrMapOvr>
-</p:sld>
-</file>
-
-<file path=ppt/slides/slide9.xml><?xml version="1.0" encoding="utf-8"?>
-<p:sld xmlns:a="http://schemas.openxmlformats.org/drawingml/2006/main" xmlns:r="http://schemas.openxmlformats.org/officeDocument/2006/relationships" xmlns:p="http://schemas.openxmlformats.org/presentationml/2006/main">
-  <p:cSld>
-    <p:spTree>
-      <p:nvGrpSpPr>
-        <p:cNvPr id="1" name=""/>
-        <p:cNvGrpSpPr/>
-        <p:nvPr/>
-      </p:nvGrpSpPr>
-      <p:grpSpPr>
-        <a:xfrm>
-          <a:off x="0" y="0"/>
-          <a:ext cx="0" cy="0"/>
-          <a:chOff x="0" y="0"/>
-          <a:chExt cx="0" cy="0"/>
-        </a:xfrm>
-      </p:grpSpPr>
-      <p:sp>
-        <p:nvSpPr>
-          <p:cNvPr id="2" name="タイトル 1">
-            <a:extLst>
-              <a:ext uri="{FF2B5EF4-FFF2-40B4-BE49-F238E27FC236}">
-                <a16:creationId xmlns:a16="http://schemas.microsoft.com/office/drawing/2014/main" id="{98E3E02C-3369-AE1A-7891-444949FADE46}"/>
-              </a:ext>
-            </a:extLst>
-          </p:cNvPr>
-          <p:cNvSpPr>
-            <a:spLocks noGrp="1"/>
-          </p:cNvSpPr>
-          <p:nvPr>
-            <p:ph type="title"/>
-          </p:nvPr>
-        </p:nvSpPr>
-        <p:spPr/>
-        <p:txBody>
-          <a:bodyPr/>
-          <a:lstStyle/>
-          <a:p>
-            <a:r>
-              <a:rPr kumimoji="1" lang="ja-JP" altLang="en-US" dirty="0"/>
-              <a:t>キーワード</a:t>
-            </a:r>
-          </a:p>
-        </p:txBody>
-      </p:sp>
-      <p:sp>
-        <p:nvSpPr>
-          <p:cNvPr id="4" name="テキスト ボックス 3">
-            <a:extLst>
-              <a:ext uri="{FF2B5EF4-FFF2-40B4-BE49-F238E27FC236}">
-                <a16:creationId xmlns:a16="http://schemas.microsoft.com/office/drawing/2014/main" id="{045A122D-DFD3-49B0-4B10-52EDBE0DF24F}"/>
-              </a:ext>
-            </a:extLst>
-          </p:cNvPr>
-          <p:cNvSpPr txBox="1"/>
-          <p:nvPr/>
-        </p:nvSpPr>
-        <p:spPr>
-          <a:xfrm>
-            <a:off x="1251678" y="1122213"/>
-            <a:ext cx="4844322" cy="2031325"/>
-          </a:xfrm>
-          <a:prstGeom prst="rect">
-            <a:avLst/>
-          </a:prstGeom>
-          <a:noFill/>
-        </p:spPr>
-        <p:txBody>
-          <a:bodyPr wrap="square" rtlCol="0">
-            <a:spAutoFit/>
-          </a:bodyPr>
-          <a:lstStyle/>
-          <a:p>
-            <a:r>
-              <a:rPr kumimoji="1" lang="ja-JP" altLang="en-US" dirty="0"/>
-              <a:t>・スタッシュ</a:t>
-            </a:r>
-            <a:endParaRPr kumimoji="1" lang="en-US" altLang="ja-JP" dirty="0"/>
-          </a:p>
-          <a:p>
-            <a:r>
-              <a:rPr kumimoji="1" lang="ja-JP" altLang="en-US" dirty="0"/>
-              <a:t>・コンフリクト</a:t>
-            </a:r>
-            <a:endParaRPr kumimoji="1" lang="en-US" altLang="ja-JP" dirty="0"/>
-          </a:p>
-          <a:p>
-            <a:r>
-              <a:rPr kumimoji="1" lang="ja-JP" altLang="en-US" dirty="0"/>
-              <a:t>・チェックアウト</a:t>
-            </a:r>
-            <a:endParaRPr kumimoji="1" lang="en-US" altLang="ja-JP" dirty="0"/>
-          </a:p>
-          <a:p>
-            <a:r>
-              <a:rPr kumimoji="1" lang="ja-JP" altLang="en-US" dirty="0"/>
-              <a:t>・フェッチ</a:t>
-            </a:r>
-            <a:endParaRPr kumimoji="1" lang="en-US" altLang="ja-JP" dirty="0"/>
-          </a:p>
-          <a:p>
-            <a:r>
-              <a:rPr kumimoji="1" lang="ja-JP" altLang="en-US" dirty="0"/>
-              <a:t>・プッシュ</a:t>
-            </a:r>
-            <a:endParaRPr kumimoji="1" lang="en-US" altLang="ja-JP" dirty="0"/>
-          </a:p>
-          <a:p>
-            <a:r>
-              <a:rPr kumimoji="1" lang="ja-JP" altLang="en-US" dirty="0"/>
-              <a:t>・プルリクエスト</a:t>
-            </a:r>
-            <a:endParaRPr kumimoji="1" lang="en-US" altLang="ja-JP" dirty="0"/>
-          </a:p>
-          <a:p>
-            <a:endParaRPr kumimoji="1" lang="ja-JP" altLang="en-US" dirty="0"/>
-          </a:p>
-        </p:txBody>
-      </p:sp>
-      <p:pic>
-        <p:nvPicPr>
-          <p:cNvPr id="5122" name="Picture 2">
-            <a:extLst>
-              <a:ext uri="{FF2B5EF4-FFF2-40B4-BE49-F238E27FC236}">
-                <a16:creationId xmlns:a16="http://schemas.microsoft.com/office/drawing/2014/main" id="{A170D9CE-97EF-9832-C221-496E8C033746}"/>
-              </a:ext>
-            </a:extLst>
-          </p:cNvPr>
-          <p:cNvPicPr>
-            <a:picLocks noChangeAspect="1" noChangeArrowheads="1"/>
-          </p:cNvPicPr>
-          <p:nvPr/>
-        </p:nvPicPr>
-        <p:blipFill>
-          <a:blip r:embed="rId2">
-            <a:extLst>
-              <a:ext uri="{28A0092B-C50C-407E-A947-70E740481C1C}">
-                <a14:useLocalDpi xmlns:a14="http://schemas.microsoft.com/office/drawing/2010/main" val="0"/>
-              </a:ext>
-            </a:extLst>
-          </a:blip>
-          <a:srcRect/>
-          <a:stretch>
-            <a:fillRect/>
-          </a:stretch>
-        </p:blipFill>
-        <p:spPr bwMode="auto">
-          <a:xfrm>
-            <a:off x="6096000" y="0"/>
-            <a:ext cx="4675187" cy="6858000"/>
-          </a:xfrm>
-          <a:prstGeom prst="rect">
-            <a:avLst/>
-          </a:prstGeom>
-          <a:noFill/>
-          <a:extLst>
-            <a:ext uri="{909E8E84-426E-40DD-AFC4-6F175D3DCCD1}">
-              <a14:hiddenFill xmlns:a14="http://schemas.microsoft.com/office/drawing/2010/main">
-                <a:solidFill>
-                  <a:srgbClr val="FFFFFF"/>
-                </a:solidFill>
-              </a14:hiddenFill>
-            </a:ext>
-          </a:extLst>
-        </p:spPr>
-      </p:pic>
-    </p:spTree>
-    <p:extLst>
-      <p:ext uri="{BB962C8B-B14F-4D97-AF65-F5344CB8AC3E}">
-        <p14:creationId xmlns:p14="http://schemas.microsoft.com/office/powerpoint/2010/main" val="631708949"/>
       </p:ext>
     </p:extLst>
   </p:cSld>

--- a/gitについて.pptx
+++ b/gitについて.pptx
@@ -15,6 +15,7 @@
     <p:sldId id="266" r:id="rId9"/>
     <p:sldId id="267" r:id="rId10"/>
     <p:sldId id="268" r:id="rId11"/>
+    <p:sldId id="269" r:id="rId12"/>
   </p:sldIdLst>
   <p:sldSz cx="12192000" cy="6858000"/>
   <p:notesSz cx="6858000" cy="9144000"/>
@@ -7285,6 +7286,86 @@
 </p:sld>
 </file>
 
+<file path=ppt/slides/slide11.xml><?xml version="1.0" encoding="utf-8"?>
+<p:sld xmlns:a="http://schemas.openxmlformats.org/drawingml/2006/main" xmlns:r="http://schemas.openxmlformats.org/officeDocument/2006/relationships" xmlns:p="http://schemas.openxmlformats.org/presentationml/2006/main">
+  <p:cSld>
+    <p:spTree>
+      <p:nvGrpSpPr>
+        <p:cNvPr id="1" name=""/>
+        <p:cNvGrpSpPr/>
+        <p:nvPr/>
+      </p:nvGrpSpPr>
+      <p:grpSpPr>
+        <a:xfrm>
+          <a:off x="0" y="0"/>
+          <a:ext cx="0" cy="0"/>
+          <a:chOff x="0" y="0"/>
+          <a:chExt cx="0" cy="0"/>
+        </a:xfrm>
+      </p:grpSpPr>
+      <p:sp>
+        <p:nvSpPr>
+          <p:cNvPr id="2" name="タイトル 1">
+            <a:extLst>
+              <a:ext uri="{FF2B5EF4-FFF2-40B4-BE49-F238E27FC236}">
+                <a16:creationId xmlns:a16="http://schemas.microsoft.com/office/drawing/2014/main" id="{2B885EFD-6EAF-42A4-0399-32FCF153A43E}"/>
+              </a:ext>
+            </a:extLst>
+          </p:cNvPr>
+          <p:cNvSpPr>
+            <a:spLocks noGrp="1"/>
+          </p:cNvSpPr>
+          <p:nvPr>
+            <p:ph type="title"/>
+          </p:nvPr>
+        </p:nvSpPr>
+        <p:spPr/>
+        <p:txBody>
+          <a:bodyPr/>
+          <a:lstStyle/>
+          <a:p>
+            <a:endParaRPr kumimoji="1" lang="ja-JP" altLang="en-US"/>
+          </a:p>
+        </p:txBody>
+      </p:sp>
+      <p:sp>
+        <p:nvSpPr>
+          <p:cNvPr id="3" name="コンテンツ プレースホルダー 2">
+            <a:extLst>
+              <a:ext uri="{FF2B5EF4-FFF2-40B4-BE49-F238E27FC236}">
+                <a16:creationId xmlns:a16="http://schemas.microsoft.com/office/drawing/2014/main" id="{53890518-61DB-2AA3-055E-A1E4F9DD6B63}"/>
+              </a:ext>
+            </a:extLst>
+          </p:cNvPr>
+          <p:cNvSpPr>
+            <a:spLocks noGrp="1"/>
+          </p:cNvSpPr>
+          <p:nvPr>
+            <p:ph idx="1"/>
+          </p:nvPr>
+        </p:nvSpPr>
+        <p:spPr/>
+        <p:txBody>
+          <a:bodyPr/>
+          <a:lstStyle/>
+          <a:p>
+            <a:endParaRPr kumimoji="1" lang="ja-JP" altLang="en-US"/>
+          </a:p>
+        </p:txBody>
+      </p:sp>
+    </p:spTree>
+    <p:extLst>
+      <p:ext uri="{BB962C8B-B14F-4D97-AF65-F5344CB8AC3E}">
+        <p14:creationId xmlns:p14="http://schemas.microsoft.com/office/powerpoint/2010/main" val="3593373995"/>
+      </p:ext>
+    </p:extLst>
+  </p:cSld>
+  <p:clrMapOvr>
+    <a:masterClrMapping/>
+  </p:clrMapOvr>
+</p:sld>
+</file>
+
 <file path=ppt/slides/slide2.xml><?xml version="1.0" encoding="utf-8"?>
 <p:sld xmlns:a="http://schemas.openxmlformats.org/drawingml/2006/main" xmlns:r="http://schemas.openxmlformats.org/officeDocument/2006/relationships" xmlns:p="http://schemas.openxmlformats.org/presentationml/2006/main">
   <p:cSld>
